--- a/docs/songs/nothing else.pptx
+++ b/docs/songs/nothing else.pptx
@@ -309,7 +309,7 @@
             <a:fld id="{26EA1CF3-4A15-4CBF-9A5A-6A56C368BE71}" type="datetimeFigureOut">
               <a:rPr lang="en-GB" smtClean="0"/>
               <a:pPr/>
-              <a:t>28/11/2022</a:t>
+              <a:t>17/11/2024</a:t>
             </a:fld>
             <a:endParaRPr lang="en-GB"/>
           </a:p>
@@ -476,7 +476,7 @@
             <a:fld id="{26EA1CF3-4A15-4CBF-9A5A-6A56C368BE71}" type="datetimeFigureOut">
               <a:rPr lang="en-GB" smtClean="0"/>
               <a:pPr/>
-              <a:t>28/11/2022</a:t>
+              <a:t>17/11/2024</a:t>
             </a:fld>
             <a:endParaRPr lang="en-GB"/>
           </a:p>
@@ -653,7 +653,7 @@
             <a:fld id="{26EA1CF3-4A15-4CBF-9A5A-6A56C368BE71}" type="datetimeFigureOut">
               <a:rPr lang="en-GB" smtClean="0"/>
               <a:pPr/>
-              <a:t>28/11/2022</a:t>
+              <a:t>17/11/2024</a:t>
             </a:fld>
             <a:endParaRPr lang="en-GB"/>
           </a:p>
@@ -820,7 +820,7 @@
             <a:fld id="{26EA1CF3-4A15-4CBF-9A5A-6A56C368BE71}" type="datetimeFigureOut">
               <a:rPr lang="en-GB" smtClean="0"/>
               <a:pPr/>
-              <a:t>28/11/2022</a:t>
+              <a:t>17/11/2024</a:t>
             </a:fld>
             <a:endParaRPr lang="en-GB"/>
           </a:p>
@@ -1063,7 +1063,7 @@
             <a:fld id="{26EA1CF3-4A15-4CBF-9A5A-6A56C368BE71}" type="datetimeFigureOut">
               <a:rPr lang="en-GB" smtClean="0"/>
               <a:pPr/>
-              <a:t>28/11/2022</a:t>
+              <a:t>17/11/2024</a:t>
             </a:fld>
             <a:endParaRPr lang="en-GB"/>
           </a:p>
@@ -1348,7 +1348,7 @@
             <a:fld id="{26EA1CF3-4A15-4CBF-9A5A-6A56C368BE71}" type="datetimeFigureOut">
               <a:rPr lang="en-GB" smtClean="0"/>
               <a:pPr/>
-              <a:t>28/11/2022</a:t>
+              <a:t>17/11/2024</a:t>
             </a:fld>
             <a:endParaRPr lang="en-GB"/>
           </a:p>
@@ -1767,7 +1767,7 @@
             <a:fld id="{26EA1CF3-4A15-4CBF-9A5A-6A56C368BE71}" type="datetimeFigureOut">
               <a:rPr lang="en-GB" smtClean="0"/>
               <a:pPr/>
-              <a:t>28/11/2022</a:t>
+              <a:t>17/11/2024</a:t>
             </a:fld>
             <a:endParaRPr lang="en-GB"/>
           </a:p>
@@ -1882,7 +1882,7 @@
             <a:fld id="{26EA1CF3-4A15-4CBF-9A5A-6A56C368BE71}" type="datetimeFigureOut">
               <a:rPr lang="en-GB" smtClean="0"/>
               <a:pPr/>
-              <a:t>28/11/2022</a:t>
+              <a:t>17/11/2024</a:t>
             </a:fld>
             <a:endParaRPr lang="en-GB"/>
           </a:p>
@@ -1974,7 +1974,7 @@
             <a:fld id="{26EA1CF3-4A15-4CBF-9A5A-6A56C368BE71}" type="datetimeFigureOut">
               <a:rPr lang="en-GB" smtClean="0"/>
               <a:pPr/>
-              <a:t>28/11/2022</a:t>
+              <a:t>17/11/2024</a:t>
             </a:fld>
             <a:endParaRPr lang="en-GB"/>
           </a:p>
@@ -2248,7 +2248,7 @@
             <a:fld id="{26EA1CF3-4A15-4CBF-9A5A-6A56C368BE71}" type="datetimeFigureOut">
               <a:rPr lang="en-GB" smtClean="0"/>
               <a:pPr/>
-              <a:t>28/11/2022</a:t>
+              <a:t>17/11/2024</a:t>
             </a:fld>
             <a:endParaRPr lang="en-GB"/>
           </a:p>
@@ -2498,7 +2498,7 @@
             <a:fld id="{26EA1CF3-4A15-4CBF-9A5A-6A56C368BE71}" type="datetimeFigureOut">
               <a:rPr lang="en-GB" smtClean="0"/>
               <a:pPr/>
-              <a:t>28/11/2022</a:t>
+              <a:t>17/11/2024</a:t>
             </a:fld>
             <a:endParaRPr lang="en-GB"/>
           </a:p>
@@ -2711,7 +2711,7 @@
             <a:fld id="{26EA1CF3-4A15-4CBF-9A5A-6A56C368BE71}" type="datetimeFigureOut">
               <a:rPr lang="en-GB" smtClean="0"/>
               <a:pPr/>
-              <a:t>28/11/2022</a:t>
+              <a:t>17/11/2024</a:t>
             </a:fld>
             <a:endParaRPr lang="en-GB"/>
           </a:p>
